--- a/L2 Design Submission/Presentation.pptx
+++ b/L2 Design Submission/Presentation.pptx
@@ -127,7 +127,7 @@
 <p1510:revInfo xmlns:a="http://schemas.openxmlformats.org/drawingml/2006/main" xmlns:r="http://schemas.openxmlformats.org/officeDocument/2006/relationships" xmlns:p1510="http://schemas.microsoft.com/office/powerpoint/2015/10/main">
   <p1510:revLst>
     <p1510:client id="{57CEB53F-B38B-4A61-93A6-42FF3E4E4421}" v="49" dt="2022-06-19T10:21:29.891"/>
-    <p1510:client id="{9693A05C-D827-7349-23A7-CA3B5B133C4E}" v="89" dt="2022-06-19T11:52:59.772"/>
+    <p1510:client id="{9693A05C-D827-7349-23A7-CA3B5B133C4E}" v="92" dt="2022-06-19T11:58:54.217"/>
   </p1510:revLst>
 </p1510:revInfo>
 </file>
@@ -818,7 +818,7 @@
   <pc:docChgLst>
     <pc:chgData name="HARRISON, ETHAN S. (Student)" userId="S::qjlm25@durham.ac.uk::451ea83b-4b44-49ac-91c2-758c3267589a" providerId="AD" clId="Web-{9693A05C-D827-7349-23A7-CA3B5B133C4E}"/>
     <pc:docChg chg="addSld modSld">
-      <pc:chgData name="HARRISON, ETHAN S. (Student)" userId="S::qjlm25@durham.ac.uk::451ea83b-4b44-49ac-91c2-758c3267589a" providerId="AD" clId="Web-{9693A05C-D827-7349-23A7-CA3B5B133C4E}" dt="2022-06-19T11:53:05.163" v="175"/>
+      <pc:chgData name="HARRISON, ETHAN S. (Student)" userId="S::qjlm25@durham.ac.uk::451ea83b-4b44-49ac-91c2-758c3267589a" providerId="AD" clId="Web-{9693A05C-D827-7349-23A7-CA3B5B133C4E}" dt="2022-06-19T11:59:11.796" v="248"/>
       <pc:docMkLst>
         <pc:docMk/>
       </pc:docMkLst>
@@ -915,7 +915,7 @@
         </pc:spChg>
       </pc:sldChg>
       <pc:sldChg chg="delSp modSp new modNotes">
-        <pc:chgData name="HARRISON, ETHAN S. (Student)" userId="S::qjlm25@durham.ac.uk::451ea83b-4b44-49ac-91c2-758c3267589a" providerId="AD" clId="Web-{9693A05C-D827-7349-23A7-CA3B5B133C4E}" dt="2022-06-19T11:53:05.163" v="175"/>
+        <pc:chgData name="HARRISON, ETHAN S. (Student)" userId="S::qjlm25@durham.ac.uk::451ea83b-4b44-49ac-91c2-758c3267589a" providerId="AD" clId="Web-{9693A05C-D827-7349-23A7-CA3B5B133C4E}" dt="2022-06-19T11:53:28.319" v="190"/>
         <pc:sldMkLst>
           <pc:docMk/>
           <pc:sldMk cId="596182796" sldId="261"/>
@@ -937,8 +937,8 @@
           </ac:spMkLst>
         </pc:spChg>
       </pc:sldChg>
-      <pc:sldChg chg="delSp modSp new">
-        <pc:chgData name="HARRISON, ETHAN S. (Student)" userId="S::qjlm25@durham.ac.uk::451ea83b-4b44-49ac-91c2-758c3267589a" providerId="AD" clId="Web-{9693A05C-D827-7349-23A7-CA3B5B133C4E}" dt="2022-06-19T11:48:08.984" v="72" actId="20577"/>
+      <pc:sldChg chg="delSp modSp new modNotes">
+        <pc:chgData name="HARRISON, ETHAN S. (Student)" userId="S::qjlm25@durham.ac.uk::451ea83b-4b44-49ac-91c2-758c3267589a" providerId="AD" clId="Web-{9693A05C-D827-7349-23A7-CA3B5B133C4E}" dt="2022-06-19T11:58:26.217" v="219"/>
         <pc:sldMkLst>
           <pc:docMk/>
           <pc:sldMk cId="1337341843" sldId="262"/>
@@ -960,8 +960,8 @@
           </ac:spMkLst>
         </pc:spChg>
       </pc:sldChg>
-      <pc:sldChg chg="delSp modSp new">
-        <pc:chgData name="HARRISON, ETHAN S. (Student)" userId="S::qjlm25@durham.ac.uk::451ea83b-4b44-49ac-91c2-758c3267589a" providerId="AD" clId="Web-{9693A05C-D827-7349-23A7-CA3B5B133C4E}" dt="2022-06-19T11:48:48.063" v="76"/>
+      <pc:sldChg chg="delSp modSp new modNotes">
+        <pc:chgData name="HARRISON, ETHAN S. (Student)" userId="S::qjlm25@durham.ac.uk::451ea83b-4b44-49ac-91c2-758c3267589a" providerId="AD" clId="Web-{9693A05C-D827-7349-23A7-CA3B5B133C4E}" dt="2022-06-19T11:58:50.889" v="235"/>
         <pc:sldMkLst>
           <pc:docMk/>
           <pc:sldMk cId="4072092364" sldId="263"/>
@@ -983,8 +983,8 @@
           </ac:spMkLst>
         </pc:spChg>
       </pc:sldChg>
-      <pc:sldChg chg="delSp modSp new">
-        <pc:chgData name="HARRISON, ETHAN S. (Student)" userId="S::qjlm25@durham.ac.uk::451ea83b-4b44-49ac-91c2-758c3267589a" providerId="AD" clId="Web-{9693A05C-D827-7349-23A7-CA3B5B133C4E}" dt="2022-06-19T11:50:19.940" v="81" actId="20577"/>
+      <pc:sldChg chg="delSp modSp new modNotes">
+        <pc:chgData name="HARRISON, ETHAN S. (Student)" userId="S::qjlm25@durham.ac.uk::451ea83b-4b44-49ac-91c2-758c3267589a" providerId="AD" clId="Web-{9693A05C-D827-7349-23A7-CA3B5B133C4E}" dt="2022-06-19T11:59:11.796" v="248"/>
         <pc:sldMkLst>
           <pc:docMk/>
           <pc:sldMk cId="2525438925" sldId="264"/>
@@ -1778,9 +1778,12 @@
           <a:bodyPr/>
           <a:lstStyle/>
           <a:p>
-            <a:endParaRPr lang="en-US" dirty="0">
-              <a:cs typeface="Calibri"/>
-            </a:endParaRPr>
+            <a:r>
+              <a:rPr lang="en-US" dirty="0">
+                <a:cs typeface="Calibri"/>
+              </a:rPr>
+              <a:t>Show how data was acquired from the SRAM and what data was required and why</a:t>
+            </a:r>
           </a:p>
         </p:txBody>
       </p:sp>
@@ -1810,6 +1813,294 @@
     <p:extLst>
       <p:ext uri="{BB962C8B-B14F-4D97-AF65-F5344CB8AC3E}">
         <p14:creationId xmlns:p14="http://schemas.microsoft.com/office/powerpoint/2010/main" val="917172329"/>
+      </p:ext>
+    </p:extLst>
+  </p:cSld>
+  <p:clrMapOvr>
+    <a:masterClrMapping/>
+  </p:clrMapOvr>
+</p:notes>
+</file>
+
+<file path=ppt/notesSlides/notesSlide6.xml><?xml version="1.0" encoding="utf-8"?>
+<p:notes xmlns:a="http://schemas.openxmlformats.org/drawingml/2006/main" xmlns:r="http://schemas.openxmlformats.org/officeDocument/2006/relationships" xmlns:p="http://schemas.openxmlformats.org/presentationml/2006/main">
+  <p:cSld>
+    <p:spTree>
+      <p:nvGrpSpPr>
+        <p:cNvPr id="1" name=""/>
+        <p:cNvGrpSpPr/>
+        <p:nvPr/>
+      </p:nvGrpSpPr>
+      <p:grpSpPr>
+        <a:xfrm>
+          <a:off x="0" y="0"/>
+          <a:ext cx="0" cy="0"/>
+          <a:chOff x="0" y="0"/>
+          <a:chExt cx="0" cy="0"/>
+        </a:xfrm>
+      </p:grpSpPr>
+      <p:sp>
+        <p:nvSpPr>
+          <p:cNvPr id="2" name="Slide Image Placeholder 1"/>
+          <p:cNvSpPr>
+            <a:spLocks noGrp="1" noRot="1" noChangeAspect="1"/>
+          </p:cNvSpPr>
+          <p:nvPr>
+            <p:ph type="sldImg"/>
+          </p:nvPr>
+        </p:nvSpPr>
+        <p:spPr/>
+      </p:sp>
+      <p:sp>
+        <p:nvSpPr>
+          <p:cNvPr id="3" name="Notes Placeholder 2"/>
+          <p:cNvSpPr>
+            <a:spLocks noGrp="1"/>
+          </p:cNvSpPr>
+          <p:nvPr>
+            <p:ph type="body" idx="1"/>
+          </p:nvPr>
+        </p:nvSpPr>
+        <p:spPr/>
+        <p:txBody>
+          <a:bodyPr/>
+          <a:lstStyle/>
+          <a:p>
+            <a:r>
+              <a:rPr lang="en-US" dirty="0">
+                <a:cs typeface="Calibri"/>
+              </a:rPr>
+              <a:t>Briefly </a:t>
+            </a:r>
+            <a:r>
+              <a:rPr lang="en-US" dirty="0" err="1">
+                <a:cs typeface="Calibri"/>
+              </a:rPr>
+              <a:t>summarise</a:t>
+            </a:r>
+            <a:r>
+              <a:rPr lang="en-US" dirty="0">
+                <a:cs typeface="Calibri"/>
+              </a:rPr>
+              <a:t> the coding done to calculate hamming distance and carry out the appropriate statistics</a:t>
+            </a:r>
+          </a:p>
+        </p:txBody>
+      </p:sp>
+      <p:sp>
+        <p:nvSpPr>
+          <p:cNvPr id="4" name="Slide Number Placeholder 3"/>
+          <p:cNvSpPr>
+            <a:spLocks noGrp="1"/>
+          </p:cNvSpPr>
+          <p:nvPr>
+            <p:ph type="sldNum" sz="quarter" idx="5"/>
+          </p:nvPr>
+        </p:nvSpPr>
+        <p:spPr/>
+        <p:txBody>
+          <a:bodyPr/>
+          <a:lstStyle/>
+          <a:p>
+            <a:fld id="{2364374A-15A0-4DA2-B48E-AFF569AD8003}" type="slidenum">
+              <a:t>7</a:t>
+            </a:fld>
+            <a:endParaRPr lang="en-US"/>
+          </a:p>
+        </p:txBody>
+      </p:sp>
+    </p:spTree>
+    <p:extLst>
+      <p:ext uri="{BB962C8B-B14F-4D97-AF65-F5344CB8AC3E}">
+        <p14:creationId xmlns:p14="http://schemas.microsoft.com/office/powerpoint/2010/main" val="169698134"/>
+      </p:ext>
+    </p:extLst>
+  </p:cSld>
+  <p:clrMapOvr>
+    <a:masterClrMapping/>
+  </p:clrMapOvr>
+</p:notes>
+</file>
+
+<file path=ppt/notesSlides/notesSlide7.xml><?xml version="1.0" encoding="utf-8"?>
+<p:notes xmlns:a="http://schemas.openxmlformats.org/drawingml/2006/main" xmlns:r="http://schemas.openxmlformats.org/officeDocument/2006/relationships" xmlns:p="http://schemas.openxmlformats.org/presentationml/2006/main">
+  <p:cSld>
+    <p:spTree>
+      <p:nvGrpSpPr>
+        <p:cNvPr id="1" name=""/>
+        <p:cNvGrpSpPr/>
+        <p:nvPr/>
+      </p:nvGrpSpPr>
+      <p:grpSpPr>
+        <a:xfrm>
+          <a:off x="0" y="0"/>
+          <a:ext cx="0" cy="0"/>
+          <a:chOff x="0" y="0"/>
+          <a:chExt cx="0" cy="0"/>
+        </a:xfrm>
+      </p:grpSpPr>
+      <p:sp>
+        <p:nvSpPr>
+          <p:cNvPr id="2" name="Slide Image Placeholder 1"/>
+          <p:cNvSpPr>
+            <a:spLocks noGrp="1" noRot="1" noChangeAspect="1"/>
+          </p:cNvSpPr>
+          <p:nvPr>
+            <p:ph type="sldImg"/>
+          </p:nvPr>
+        </p:nvSpPr>
+        <p:spPr/>
+      </p:sp>
+      <p:sp>
+        <p:nvSpPr>
+          <p:cNvPr id="3" name="Notes Placeholder 2"/>
+          <p:cNvSpPr>
+            <a:spLocks noGrp="1"/>
+          </p:cNvSpPr>
+          <p:nvPr>
+            <p:ph type="body" idx="1"/>
+          </p:nvPr>
+        </p:nvSpPr>
+        <p:spPr/>
+        <p:txBody>
+          <a:bodyPr/>
+          <a:lstStyle/>
+          <a:p>
+            <a:r>
+              <a:rPr lang="en-US" dirty="0">
+                <a:cs typeface="Calibri"/>
+              </a:rPr>
+              <a:t>Show figures from the report and discuss what can be inferred from them</a:t>
+            </a:r>
+          </a:p>
+        </p:txBody>
+      </p:sp>
+      <p:sp>
+        <p:nvSpPr>
+          <p:cNvPr id="4" name="Slide Number Placeholder 3"/>
+          <p:cNvSpPr>
+            <a:spLocks noGrp="1"/>
+          </p:cNvSpPr>
+          <p:nvPr>
+            <p:ph type="sldNum" sz="quarter" idx="5"/>
+          </p:nvPr>
+        </p:nvSpPr>
+        <p:spPr/>
+        <p:txBody>
+          <a:bodyPr/>
+          <a:lstStyle/>
+          <a:p>
+            <a:fld id="{2364374A-15A0-4DA2-B48E-AFF569AD8003}" type="slidenum">
+              <a:t>8</a:t>
+            </a:fld>
+            <a:endParaRPr lang="en-US"/>
+          </a:p>
+        </p:txBody>
+      </p:sp>
+    </p:spTree>
+    <p:extLst>
+      <p:ext uri="{BB962C8B-B14F-4D97-AF65-F5344CB8AC3E}">
+        <p14:creationId xmlns:p14="http://schemas.microsoft.com/office/powerpoint/2010/main" val="2810691935"/>
+      </p:ext>
+    </p:extLst>
+  </p:cSld>
+  <p:clrMapOvr>
+    <a:masterClrMapping/>
+  </p:clrMapOvr>
+</p:notes>
+</file>
+
+<file path=ppt/notesSlides/notesSlide8.xml><?xml version="1.0" encoding="utf-8"?>
+<p:notes xmlns:a="http://schemas.openxmlformats.org/drawingml/2006/main" xmlns:r="http://schemas.openxmlformats.org/officeDocument/2006/relationships" xmlns:p="http://schemas.openxmlformats.org/presentationml/2006/main">
+  <p:cSld>
+    <p:spTree>
+      <p:nvGrpSpPr>
+        <p:cNvPr id="1" name=""/>
+        <p:cNvGrpSpPr/>
+        <p:nvPr/>
+      </p:nvGrpSpPr>
+      <p:grpSpPr>
+        <a:xfrm>
+          <a:off x="0" y="0"/>
+          <a:ext cx="0" cy="0"/>
+          <a:chOff x="0" y="0"/>
+          <a:chExt cx="0" cy="0"/>
+        </a:xfrm>
+      </p:grpSpPr>
+      <p:sp>
+        <p:nvSpPr>
+          <p:cNvPr id="2" name="Slide Image Placeholder 1"/>
+          <p:cNvSpPr>
+            <a:spLocks noGrp="1" noRot="1" noChangeAspect="1"/>
+          </p:cNvSpPr>
+          <p:nvPr>
+            <p:ph type="sldImg"/>
+          </p:nvPr>
+        </p:nvSpPr>
+        <p:spPr/>
+      </p:sp>
+      <p:sp>
+        <p:nvSpPr>
+          <p:cNvPr id="3" name="Notes Placeholder 2"/>
+          <p:cNvSpPr>
+            <a:spLocks noGrp="1"/>
+          </p:cNvSpPr>
+          <p:nvPr>
+            <p:ph type="body" idx="1"/>
+          </p:nvPr>
+        </p:nvSpPr>
+        <p:spPr/>
+        <p:txBody>
+          <a:bodyPr/>
+          <a:lstStyle/>
+          <a:p>
+            <a:r>
+              <a:rPr lang="en-US" dirty="0">
+                <a:cs typeface="Calibri"/>
+              </a:rPr>
+              <a:t>Argue as to whether a </a:t>
+            </a:r>
+            <a:r>
+              <a:rPr lang="en-US" dirty="0" err="1">
+                <a:cs typeface="Calibri"/>
+              </a:rPr>
+              <a:t>microbit</a:t>
+            </a:r>
+            <a:r>
+              <a:rPr lang="en-US">
+                <a:cs typeface="Calibri"/>
+              </a:rPr>
+              <a:t> is a viable device for creating PUFs</a:t>
+            </a:r>
+          </a:p>
+        </p:txBody>
+      </p:sp>
+      <p:sp>
+        <p:nvSpPr>
+          <p:cNvPr id="4" name="Slide Number Placeholder 3"/>
+          <p:cNvSpPr>
+            <a:spLocks noGrp="1"/>
+          </p:cNvSpPr>
+          <p:nvPr>
+            <p:ph type="sldNum" sz="quarter" idx="5"/>
+          </p:nvPr>
+        </p:nvSpPr>
+        <p:spPr/>
+        <p:txBody>
+          <a:bodyPr/>
+          <a:lstStyle/>
+          <a:p>
+            <a:fld id="{2364374A-15A0-4DA2-B48E-AFF569AD8003}" type="slidenum">
+              <a:t>9</a:t>
+            </a:fld>
+            <a:endParaRPr lang="en-US"/>
+          </a:p>
+        </p:txBody>
+      </p:sp>
+    </p:spTree>
+    <p:extLst>
+      <p:ext uri="{BB962C8B-B14F-4D97-AF65-F5344CB8AC3E}">
+        <p14:creationId xmlns:p14="http://schemas.microsoft.com/office/powerpoint/2010/main" val="78975407"/>
       </p:ext>
     </p:extLst>
   </p:cSld>

--- a/L2 Design Submission/Presentation.pptx
+++ b/L2 Design Submission/Presentation.pptx
@@ -128,12 +128,162 @@
   <p1510:revLst>
     <p1510:client id="{57CEB53F-B38B-4A61-93A6-42FF3E4E4421}" v="49" dt="2022-06-19T10:21:29.891"/>
     <p1510:client id="{9693A05C-D827-7349-23A7-CA3B5B133C4E}" v="92" dt="2022-06-19T11:58:54.217"/>
+    <p1510:client id="{FFD9C741-1E64-F01D-BA54-3CBDEF42487B}" v="442" dt="2022-06-20T13:16:15.463"/>
   </p1510:revLst>
 </p1510:revInfo>
 </file>
 
 <file path=ppt/changesInfos/changesInfo1.xml><?xml version="1.0" encoding="utf-8"?>
 <pc:chgInfo xmlns:a="http://schemas.openxmlformats.org/drawingml/2006/main" xmlns:r="http://schemas.openxmlformats.org/officeDocument/2006/relationships" xmlns:ac="http://schemas.microsoft.com/office/drawing/2013/main/command" xmlns:pc="http://schemas.microsoft.com/office/powerpoint/2013/main/command">
+  <pc:docChgLst>
+    <pc:chgData name="HARRISON, ETHAN S. (Student)" userId="S::qjlm25@durham.ac.uk::451ea83b-4b44-49ac-91c2-758c3267589a" providerId="AD" clId="Web-{FFD9C741-1E64-F01D-BA54-3CBDEF42487B}"/>
+    <pc:docChg chg="modSld">
+      <pc:chgData name="HARRISON, ETHAN S. (Student)" userId="S::qjlm25@durham.ac.uk::451ea83b-4b44-49ac-91c2-758c3267589a" providerId="AD" clId="Web-{FFD9C741-1E64-F01D-BA54-3CBDEF42487B}" dt="2022-06-20T13:16:15.463" v="251" actId="20577"/>
+      <pc:docMkLst>
+        <pc:docMk/>
+      </pc:docMkLst>
+      <pc:sldChg chg="addSp modSp">
+        <pc:chgData name="HARRISON, ETHAN S. (Student)" userId="S::qjlm25@durham.ac.uk::451ea83b-4b44-49ac-91c2-758c3267589a" providerId="AD" clId="Web-{FFD9C741-1E64-F01D-BA54-3CBDEF42487B}" dt="2022-06-20T12:23:26.709" v="184" actId="1076"/>
+        <pc:sldMkLst>
+          <pc:docMk/>
+          <pc:sldMk cId="3368256930" sldId="257"/>
+        </pc:sldMkLst>
+        <pc:spChg chg="add mod">
+          <ac:chgData name="HARRISON, ETHAN S. (Student)" userId="S::qjlm25@durham.ac.uk::451ea83b-4b44-49ac-91c2-758c3267589a" providerId="AD" clId="Web-{FFD9C741-1E64-F01D-BA54-3CBDEF42487B}" dt="2022-06-20T11:34:01.912" v="148" actId="20577"/>
+          <ac:spMkLst>
+            <pc:docMk/>
+            <pc:sldMk cId="3368256930" sldId="257"/>
+            <ac:spMk id="3" creationId="{D3DF0AB0-AEB9-617B-D0DF-7B4A440208BE}"/>
+          </ac:spMkLst>
+        </pc:spChg>
+        <pc:spChg chg="add mod">
+          <ac:chgData name="HARRISON, ETHAN S. (Student)" userId="S::qjlm25@durham.ac.uk::451ea83b-4b44-49ac-91c2-758c3267589a" providerId="AD" clId="Web-{FFD9C741-1E64-F01D-BA54-3CBDEF42487B}" dt="2022-06-20T11:34:16.053" v="153" actId="1076"/>
+          <ac:spMkLst>
+            <pc:docMk/>
+            <pc:sldMk cId="3368256930" sldId="257"/>
+            <ac:spMk id="4" creationId="{29C33621-ED2F-1672-0972-384BB80AB194}"/>
+          </ac:spMkLst>
+        </pc:spChg>
+        <pc:spChg chg="add mod">
+          <ac:chgData name="HARRISON, ETHAN S. (Student)" userId="S::qjlm25@durham.ac.uk::451ea83b-4b44-49ac-91c2-758c3267589a" providerId="AD" clId="Web-{FFD9C741-1E64-F01D-BA54-3CBDEF42487B}" dt="2022-06-20T11:35:40.918" v="165" actId="14100"/>
+          <ac:spMkLst>
+            <pc:docMk/>
+            <pc:sldMk cId="3368256930" sldId="257"/>
+            <ac:spMk id="5" creationId="{1252F672-07DB-F186-A0B0-0166BF59539E}"/>
+          </ac:spMkLst>
+        </pc:spChg>
+        <pc:spChg chg="add mod">
+          <ac:chgData name="HARRISON, ETHAN S. (Student)" userId="S::qjlm25@durham.ac.uk::451ea83b-4b44-49ac-91c2-758c3267589a" providerId="AD" clId="Web-{FFD9C741-1E64-F01D-BA54-3CBDEF42487B}" dt="2022-06-20T12:23:26.709" v="184" actId="1076"/>
+          <ac:spMkLst>
+            <pc:docMk/>
+            <pc:sldMk cId="3368256930" sldId="257"/>
+            <ac:spMk id="6" creationId="{7521D1F7-29D8-99A6-80A3-D77538A31738}"/>
+          </ac:spMkLst>
+        </pc:spChg>
+      </pc:sldChg>
+      <pc:sldChg chg="addSp delSp modSp">
+        <pc:chgData name="HARRISON, ETHAN S. (Student)" userId="S::qjlm25@durham.ac.uk::451ea83b-4b44-49ac-91c2-758c3267589a" providerId="AD" clId="Web-{FFD9C741-1E64-F01D-BA54-3CBDEF42487B}" dt="2022-06-20T12:24:13.851" v="196" actId="1076"/>
+        <pc:sldMkLst>
+          <pc:docMk/>
+          <pc:sldMk cId="4193527340" sldId="258"/>
+        </pc:sldMkLst>
+        <pc:spChg chg="add del mod">
+          <ac:chgData name="HARRISON, ETHAN S. (Student)" userId="S::qjlm25@durham.ac.uk::451ea83b-4b44-49ac-91c2-758c3267589a" providerId="AD" clId="Web-{FFD9C741-1E64-F01D-BA54-3CBDEF42487B}" dt="2022-06-20T12:23:15.365" v="182"/>
+          <ac:spMkLst>
+            <pc:docMk/>
+            <pc:sldMk cId="4193527340" sldId="258"/>
+            <ac:spMk id="4" creationId="{B3C7FAFC-E493-F01A-5583-D380BE57805A}"/>
+          </ac:spMkLst>
+        </pc:spChg>
+        <pc:spChg chg="add mod">
+          <ac:chgData name="HARRISON, ETHAN S. (Student)" userId="S::qjlm25@durham.ac.uk::451ea83b-4b44-49ac-91c2-758c3267589a" providerId="AD" clId="Web-{FFD9C741-1E64-F01D-BA54-3CBDEF42487B}" dt="2022-06-20T12:23:40.287" v="185" actId="1076"/>
+          <ac:spMkLst>
+            <pc:docMk/>
+            <pc:sldMk cId="4193527340" sldId="258"/>
+            <ac:spMk id="5" creationId="{6DD77E8C-1F49-B3A0-2D13-3A1BB4D3E17C}"/>
+          </ac:spMkLst>
+        </pc:spChg>
+        <pc:spChg chg="add del">
+          <ac:chgData name="HARRISON, ETHAN S. (Student)" userId="S::qjlm25@durham.ac.uk::451ea83b-4b44-49ac-91c2-758c3267589a" providerId="AD" clId="Web-{FFD9C741-1E64-F01D-BA54-3CBDEF42487B}" dt="2022-06-20T12:22:51.536" v="177"/>
+          <ac:spMkLst>
+            <pc:docMk/>
+            <pc:sldMk cId="4193527340" sldId="258"/>
+            <ac:spMk id="6" creationId="{9F1D745A-2938-82D5-DC4B-83B48F5D5182}"/>
+          </ac:spMkLst>
+        </pc:spChg>
+        <pc:spChg chg="add mod">
+          <ac:chgData name="HARRISON, ETHAN S. (Student)" userId="S::qjlm25@durham.ac.uk::451ea83b-4b44-49ac-91c2-758c3267589a" providerId="AD" clId="Web-{FFD9C741-1E64-F01D-BA54-3CBDEF42487B}" dt="2022-06-20T12:24:13.851" v="196" actId="1076"/>
+          <ac:spMkLst>
+            <pc:docMk/>
+            <pc:sldMk cId="4193527340" sldId="258"/>
+            <ac:spMk id="7" creationId="{9CCC8984-10DF-6D2A-15E4-0D5886896DBF}"/>
+          </ac:spMkLst>
+        </pc:spChg>
+        <pc:spChg chg="add del">
+          <ac:chgData name="HARRISON, ETHAN S. (Student)" userId="S::qjlm25@durham.ac.uk::451ea83b-4b44-49ac-91c2-758c3267589a" providerId="AD" clId="Web-{FFD9C741-1E64-F01D-BA54-3CBDEF42487B}" dt="2022-06-20T12:24:02.194" v="191"/>
+          <ac:spMkLst>
+            <pc:docMk/>
+            <pc:sldMk cId="4193527340" sldId="258"/>
+            <ac:spMk id="8" creationId="{FE1A561B-E2BA-6220-02F4-1173B021A239}"/>
+          </ac:spMkLst>
+        </pc:spChg>
+      </pc:sldChg>
+      <pc:sldChg chg="addSp modSp">
+        <pc:chgData name="HARRISON, ETHAN S. (Student)" userId="S::qjlm25@durham.ac.uk::451ea83b-4b44-49ac-91c2-758c3267589a" providerId="AD" clId="Web-{FFD9C741-1E64-F01D-BA54-3CBDEF42487B}" dt="2022-06-20T13:15:49.541" v="234" actId="20577"/>
+        <pc:sldMkLst>
+          <pc:docMk/>
+          <pc:sldMk cId="558807109" sldId="259"/>
+        </pc:sldMkLst>
+        <pc:spChg chg="add mod">
+          <ac:chgData name="HARRISON, ETHAN S. (Student)" userId="S::qjlm25@durham.ac.uk::451ea83b-4b44-49ac-91c2-758c3267589a" providerId="AD" clId="Web-{FFD9C741-1E64-F01D-BA54-3CBDEF42487B}" dt="2022-06-20T13:15:49.541" v="234" actId="20577"/>
+          <ac:spMkLst>
+            <pc:docMk/>
+            <pc:sldMk cId="558807109" sldId="259"/>
+            <ac:spMk id="4" creationId="{9851F250-913C-843F-F3BA-4B49409BC237}"/>
+          </ac:spMkLst>
+        </pc:spChg>
+        <pc:spChg chg="add mod">
+          <ac:chgData name="HARRISON, ETHAN S. (Student)" userId="S::qjlm25@durham.ac.uk::451ea83b-4b44-49ac-91c2-758c3267589a" providerId="AD" clId="Web-{FFD9C741-1E64-F01D-BA54-3CBDEF42487B}" dt="2022-06-20T12:46:15.079" v="216" actId="20577"/>
+          <ac:spMkLst>
+            <pc:docMk/>
+            <pc:sldMk cId="558807109" sldId="259"/>
+            <ac:spMk id="5" creationId="{F1B0984B-D109-5D3F-7EE5-869F6E392F7E}"/>
+          </ac:spMkLst>
+        </pc:spChg>
+        <pc:spChg chg="add mod">
+          <ac:chgData name="HARRISON, ETHAN S. (Student)" userId="S::qjlm25@durham.ac.uk::451ea83b-4b44-49ac-91c2-758c3267589a" providerId="AD" clId="Web-{FFD9C741-1E64-F01D-BA54-3CBDEF42487B}" dt="2022-06-20T12:46:26.126" v="227" actId="20577"/>
+          <ac:spMkLst>
+            <pc:docMk/>
+            <pc:sldMk cId="558807109" sldId="259"/>
+            <ac:spMk id="6" creationId="{DE21996B-D16A-9001-81BE-5AEAD4486C67}"/>
+          </ac:spMkLst>
+        </pc:spChg>
+      </pc:sldChg>
+      <pc:sldChg chg="addSp delSp modSp">
+        <pc:chgData name="HARRISON, ETHAN S. (Student)" userId="S::qjlm25@durham.ac.uk::451ea83b-4b44-49ac-91c2-758c3267589a" providerId="AD" clId="Web-{FFD9C741-1E64-F01D-BA54-3CBDEF42487B}" dt="2022-06-20T13:16:15.463" v="251" actId="20577"/>
+        <pc:sldMkLst>
+          <pc:docMk/>
+          <pc:sldMk cId="116456874" sldId="260"/>
+        </pc:sldMkLst>
+        <pc:spChg chg="add del mod">
+          <ac:chgData name="HARRISON, ETHAN S. (Student)" userId="S::qjlm25@durham.ac.uk::451ea83b-4b44-49ac-91c2-758c3267589a" providerId="AD" clId="Web-{FFD9C741-1E64-F01D-BA54-3CBDEF42487B}" dt="2022-06-20T13:15:36.307" v="231"/>
+          <ac:spMkLst>
+            <pc:docMk/>
+            <pc:sldMk cId="116456874" sldId="260"/>
+            <ac:spMk id="3" creationId="{FAE9CF7B-EFDE-31C8-AE9C-AF70C5AEBC9F}"/>
+          </ac:spMkLst>
+        </pc:spChg>
+        <pc:spChg chg="add mod">
+          <ac:chgData name="HARRISON, ETHAN S. (Student)" userId="S::qjlm25@durham.ac.uk::451ea83b-4b44-49ac-91c2-758c3267589a" providerId="AD" clId="Web-{FFD9C741-1E64-F01D-BA54-3CBDEF42487B}" dt="2022-06-20T13:16:15.463" v="251" actId="20577"/>
+          <ac:spMkLst>
+            <pc:docMk/>
+            <pc:sldMk cId="116456874" sldId="260"/>
+            <ac:spMk id="4" creationId="{E74374B9-20C6-1858-33B0-58258F6886D5}"/>
+          </ac:spMkLst>
+        </pc:spChg>
+      </pc:sldChg>
+    </pc:docChg>
+  </pc:docChgLst>
   <pc:docChgLst>
     <pc:chgData name="HARRISON, ETHAN S. (Student)" userId="S::qjlm25@durham.ac.uk::451ea83b-4b44-49ac-91c2-758c3267589a" providerId="AD" clId="Web-{57CEB53F-B38B-4A61-93A6-42FF3E4E4421}"/>
     <pc:docChg chg="addSld delSld modSld addMainMaster delMainMaster">
@@ -1092,7 +1242,7 @@
           </a:lstStyle>
           <a:p>
             <a:fld id="{ED939075-3C70-491F-9D94-340E24D66AF2}" type="datetimeFigureOut">
-              <a:t>6/19/2022</a:t>
+              <a:t>6/20/2022</a:t>
             </a:fld>
             <a:endParaRPr lang="en-US"/>
           </a:p>
@@ -2067,7 +2217,7 @@
               <a:t>microbit</a:t>
             </a:r>
             <a:r>
-              <a:rPr lang="en-US">
+              <a:rPr lang="en-US" dirty="0">
                 <a:cs typeface="Calibri"/>
               </a:rPr>
               <a:t> is a viable device for creating PUFs</a:t>
@@ -2348,7 +2498,7 @@
           <a:p>
             <a:fld id="{ED291B17-9318-49DB-B28B-6E5994AE9581}" type="datetime1">
               <a:rPr lang="en-US" smtClean="0"/>
-              <a:t>6/19/2022</a:t>
+              <a:t>6/20/2022</a:t>
             </a:fld>
             <a:endParaRPr lang="en-US" dirty="0"/>
           </a:p>
@@ -2551,7 +2701,7 @@
           <a:p>
             <a:fld id="{2CED4963-E985-44C4-B8C4-FDD613B7C2F8}" type="datetime1">
               <a:rPr lang="en-US" smtClean="0"/>
-              <a:t>6/19/2022</a:t>
+              <a:t>6/20/2022</a:t>
             </a:fld>
             <a:endParaRPr lang="en-US" dirty="0"/>
           </a:p>
@@ -2913,7 +3063,7 @@
           <a:p>
             <a:fld id="{ED291B17-9318-49DB-B28B-6E5994AE9581}" type="datetime1">
               <a:rPr lang="en-US" smtClean="0"/>
-              <a:t>6/19/2022</a:t>
+              <a:t>6/20/2022</a:t>
             </a:fld>
             <a:endParaRPr lang="en-US" dirty="0"/>
           </a:p>
@@ -3111,7 +3261,7 @@
           <a:p>
             <a:fld id="{78DD82B9-B8EE-4375-B6FF-88FA6ABB15D9}" type="datetime1">
               <a:rPr lang="en-US" smtClean="0"/>
-              <a:t>6/19/2022</a:t>
+              <a:t>6/20/2022</a:t>
             </a:fld>
             <a:endParaRPr lang="en-US" dirty="0"/>
           </a:p>
@@ -3423,7 +3573,7 @@
           <a:p>
             <a:fld id="{B2497495-0637-405E-AE64-5CC7506D51F5}" type="datetime1">
               <a:rPr lang="en-US" smtClean="0"/>
-              <a:t>6/19/2022</a:t>
+              <a:t>6/20/2022</a:t>
             </a:fld>
             <a:endParaRPr lang="en-US" dirty="0"/>
           </a:p>
@@ -3676,7 +3826,7 @@
           <a:p>
             <a:fld id="{7BFFD690-9426-415D-8B65-26881E07B2D4}" type="datetime1">
               <a:rPr lang="en-US" smtClean="0"/>
-              <a:t>6/19/2022</a:t>
+              <a:t>6/20/2022</a:t>
             </a:fld>
             <a:endParaRPr lang="en-US" dirty="0"/>
           </a:p>
@@ -4098,7 +4248,7 @@
           <a:p>
             <a:fld id="{04C4989A-474C-40DE-95B9-011C28B71673}" type="datetime1">
               <a:rPr lang="en-US" smtClean="0"/>
-              <a:t>6/19/2022</a:t>
+              <a:t>6/20/2022</a:t>
             </a:fld>
             <a:endParaRPr lang="en-US" dirty="0"/>
           </a:p>
@@ -4221,7 +4371,7 @@
           <a:p>
             <a:fld id="{5DB4ED54-5B5E-4A04-93D3-5772E3CE3818}" type="datetime1">
               <a:rPr lang="en-US" smtClean="0"/>
-              <a:t>6/19/2022</a:t>
+              <a:t>6/20/2022</a:t>
             </a:fld>
             <a:endParaRPr lang="en-US" dirty="0"/>
           </a:p>
@@ -4316,7 +4466,7 @@
           <a:p>
             <a:fld id="{4EDE50D6-574B-40AF-946F-D52A04ADE379}" type="datetime1">
               <a:rPr lang="en-US" smtClean="0"/>
-              <a:t>6/19/2022</a:t>
+              <a:t>6/20/2022</a:t>
             </a:fld>
             <a:endParaRPr lang="en-US" dirty="0"/>
           </a:p>
@@ -4693,7 +4843,7 @@
           <a:p>
             <a:fld id="{D82884F1-FFEA-405F-9602-3DCA865EDA4E}" type="datetime1">
               <a:rPr lang="en-US" smtClean="0"/>
-              <a:t>6/19/2022</a:t>
+              <a:t>6/20/2022</a:t>
             </a:fld>
             <a:endParaRPr lang="en-US" dirty="0"/>
           </a:p>
@@ -4986,7 +5136,7 @@
           <a:p>
             <a:fld id="{7E18DB4A-8810-4A10-AD5C-D5E2C667F5B3}" type="datetime1">
               <a:rPr lang="en-US" smtClean="0"/>
-              <a:t>6/19/2022</a:t>
+              <a:t>6/20/2022</a:t>
             </a:fld>
             <a:endParaRPr lang="en-US" dirty="0"/>
           </a:p>
@@ -5201,7 +5351,7 @@
           <a:p>
             <a:fld id="{ED291B17-9318-49DB-B28B-6E5994AE9581}" type="datetime1">
               <a:rPr lang="en-US" smtClean="0"/>
-              <a:t>6/19/2022</a:t>
+              <a:t>6/20/2022</a:t>
             </a:fld>
             <a:endParaRPr lang="en-US" dirty="0"/>
           </a:p>
@@ -6211,6 +6361,265 @@
           </a:p>
         </p:txBody>
       </p:sp>
+      <p:sp>
+        <p:nvSpPr>
+          <p:cNvPr id="3" name="TextBox 2">
+            <a:extLst>
+              <a:ext uri="{FF2B5EF4-FFF2-40B4-BE49-F238E27FC236}">
+                <a16:creationId xmlns:a16="http://schemas.microsoft.com/office/drawing/2014/main" id="{D3DF0AB0-AEB9-617B-D0DF-7B4A440208BE}"/>
+              </a:ext>
+            </a:extLst>
+          </p:cNvPr>
+          <p:cNvSpPr txBox="1"/>
+          <p:nvPr/>
+        </p:nvSpPr>
+        <p:spPr>
+          <a:xfrm>
+            <a:off x="580373" y="1968674"/>
+            <a:ext cx="10989500" cy="646331"/>
+          </a:xfrm>
+          <a:prstGeom prst="rect">
+            <a:avLst/>
+          </a:prstGeom>
+          <a:noFill/>
+        </p:spPr>
+        <p:txBody>
+          <a:bodyPr rot="0" spcFirstLastPara="0" vertOverflow="overflow" horzOverflow="overflow" vert="horz" wrap="square" lIns="91440" tIns="45720" rIns="91440" bIns="45720" numCol="1" spcCol="0" rtlCol="0" fromWordArt="0" anchor="t" anchorCtr="0" forceAA="0" compatLnSpc="1">
+            <a:prstTxWarp prst="textNoShape">
+              <a:avLst/>
+            </a:prstTxWarp>
+            <a:spAutoFit/>
+          </a:bodyPr>
+          <a:lstStyle/>
+          <a:p>
+            <a:r>
+              <a:rPr lang="en-US" dirty="0">
+                <a:ea typeface="+mn-lt"/>
+                <a:cs typeface="+mn-lt"/>
+              </a:rPr>
+              <a:t>When most people think of security regarding electronic products, they might think of internet-based risks such as hacking or online scams. However, what is usually unconsidered is the security regarding their actual physical device.</a:t>
+            </a:r>
+          </a:p>
+        </p:txBody>
+      </p:sp>
+      <p:sp>
+        <p:nvSpPr>
+          <p:cNvPr id="4" name="TextBox 3">
+            <a:extLst>
+              <a:ext uri="{FF2B5EF4-FFF2-40B4-BE49-F238E27FC236}">
+                <a16:creationId xmlns:a16="http://schemas.microsoft.com/office/drawing/2014/main" id="{29C33621-ED2F-1672-0972-384BB80AB194}"/>
+              </a:ext>
+            </a:extLst>
+          </p:cNvPr>
+          <p:cNvSpPr txBox="1"/>
+          <p:nvPr/>
+        </p:nvSpPr>
+        <p:spPr>
+          <a:xfrm>
+            <a:off x="580373" y="2814180"/>
+            <a:ext cx="10989500" cy="923330"/>
+          </a:xfrm>
+          <a:prstGeom prst="rect">
+            <a:avLst/>
+          </a:prstGeom>
+          <a:noFill/>
+        </p:spPr>
+        <p:txBody>
+          <a:bodyPr rot="0" spcFirstLastPara="0" vertOverflow="overflow" horzOverflow="overflow" vert="horz" wrap="square" lIns="91440" tIns="45720" rIns="91440" bIns="45720" numCol="1" spcCol="0" rtlCol="0" fromWordArt="0" anchor="t" anchorCtr="0" forceAA="0" compatLnSpc="1">
+            <a:prstTxWarp prst="textNoShape">
+              <a:avLst/>
+            </a:prstTxWarp>
+            <a:spAutoFit/>
+          </a:bodyPr>
+          <a:lstStyle/>
+          <a:p>
+            <a:r>
+              <a:rPr lang="en-US" dirty="0">
+                <a:ea typeface="+mn-lt"/>
+                <a:cs typeface="+mn-lt"/>
+              </a:rPr>
+              <a:t>A common problem with electronics, especially portable ones, is theft. Malicious parties usually steal a victim's electronic device so that they may access sensitive information. In some cases, criminals can even produce counterfeit hardware to imitate well-known brands. This problem can cost a lot of money and put people's privacy at risk.</a:t>
+            </a:r>
+            <a:endParaRPr lang="en-US" dirty="0"/>
+          </a:p>
+        </p:txBody>
+      </p:sp>
+      <p:sp>
+        <p:nvSpPr>
+          <p:cNvPr id="5" name="TextBox 4">
+            <a:extLst>
+              <a:ext uri="{FF2B5EF4-FFF2-40B4-BE49-F238E27FC236}">
+                <a16:creationId xmlns:a16="http://schemas.microsoft.com/office/drawing/2014/main" id="{1252F672-07DB-F186-A0B0-0166BF59539E}"/>
+              </a:ext>
+            </a:extLst>
+          </p:cNvPr>
+          <p:cNvSpPr txBox="1"/>
+          <p:nvPr/>
+        </p:nvSpPr>
+        <p:spPr>
+          <a:xfrm>
+            <a:off x="577111" y="3927823"/>
+            <a:ext cx="11020815" cy="369332"/>
+          </a:xfrm>
+          <a:prstGeom prst="rect">
+            <a:avLst/>
+          </a:prstGeom>
+          <a:noFill/>
+        </p:spPr>
+        <p:txBody>
+          <a:bodyPr rot="0" spcFirstLastPara="0" vertOverflow="overflow" horzOverflow="overflow" vert="horz" wrap="square" lIns="91440" tIns="45720" rIns="91440" bIns="45720" numCol="1" spcCol="0" rtlCol="0" fromWordArt="0" anchor="t" anchorCtr="0" forceAA="0" compatLnSpc="1">
+            <a:prstTxWarp prst="textNoShape">
+              <a:avLst/>
+            </a:prstTxWarp>
+            <a:spAutoFit/>
+          </a:bodyPr>
+          <a:lstStyle/>
+          <a:p>
+            <a:r>
+              <a:rPr lang="en-US" dirty="0">
+                <a:ea typeface="+mn-lt"/>
+                <a:cs typeface="+mn-lt"/>
+              </a:rPr>
+              <a:t>The field of Electronics tasked with preventing this issue is called Hardware Security.</a:t>
+            </a:r>
+          </a:p>
+        </p:txBody>
+      </p:sp>
+      <p:sp>
+        <p:nvSpPr>
+          <p:cNvPr id="6" name="TextBox 1">
+            <a:extLst>
+              <a:ext uri="{FF2B5EF4-FFF2-40B4-BE49-F238E27FC236}">
+                <a16:creationId xmlns:a16="http://schemas.microsoft.com/office/drawing/2014/main" id="{7521D1F7-29D8-99A6-80A3-D77538A31738}"/>
+              </a:ext>
+            </a:extLst>
+          </p:cNvPr>
+          <p:cNvSpPr txBox="1"/>
+          <p:nvPr/>
+        </p:nvSpPr>
+        <p:spPr>
+          <a:xfrm>
+            <a:off x="580373" y="4494756"/>
+            <a:ext cx="10989500" cy="1477328"/>
+          </a:xfrm>
+          <a:prstGeom prst="rect">
+            <a:avLst/>
+          </a:prstGeom>
+          <a:noFill/>
+        </p:spPr>
+        <p:txBody>
+          <a:bodyPr rot="0" spcFirstLastPara="0" vert="horz" wrap="square" lIns="91440" tIns="45720" rIns="91440" bIns="45720" numCol="1" spcCol="0" rtlCol="0" fromWordArt="0" anchor="t" anchorCtr="0" forceAA="0" compatLnSpc="1">
+            <a:prstTxWarp prst="textNoShape">
+              <a:avLst/>
+            </a:prstTxWarp>
+            <a:spAutoFit/>
+          </a:bodyPr>
+          <a:lstStyle>
+            <a:defPPr>
+              <a:defRPr lang="en-US"/>
+            </a:defPPr>
+            <a:lvl1pPr marL="0" algn="l" defTabSz="914400" rtl="0" eaLnBrk="1" latinLnBrk="0" hangingPunct="1">
+              <a:defRPr sz="1800" kern="1200">
+                <a:solidFill>
+                  <a:schemeClr val="tx1"/>
+                </a:solidFill>
+                <a:latin typeface="+mn-lt"/>
+                <a:ea typeface="+mn-ea"/>
+                <a:cs typeface="+mn-cs"/>
+              </a:defRPr>
+            </a:lvl1pPr>
+            <a:lvl2pPr marL="457200" algn="l" defTabSz="914400" rtl="0" eaLnBrk="1" latinLnBrk="0" hangingPunct="1">
+              <a:defRPr sz="1800" kern="1200">
+                <a:solidFill>
+                  <a:schemeClr val="tx1"/>
+                </a:solidFill>
+                <a:latin typeface="+mn-lt"/>
+                <a:ea typeface="+mn-ea"/>
+                <a:cs typeface="+mn-cs"/>
+              </a:defRPr>
+            </a:lvl2pPr>
+            <a:lvl3pPr marL="914400" algn="l" defTabSz="914400" rtl="0" eaLnBrk="1" latinLnBrk="0" hangingPunct="1">
+              <a:defRPr sz="1800" kern="1200">
+                <a:solidFill>
+                  <a:schemeClr val="tx1"/>
+                </a:solidFill>
+                <a:latin typeface="+mn-lt"/>
+                <a:ea typeface="+mn-ea"/>
+                <a:cs typeface="+mn-cs"/>
+              </a:defRPr>
+            </a:lvl3pPr>
+            <a:lvl4pPr marL="1371600" algn="l" defTabSz="914400" rtl="0" eaLnBrk="1" latinLnBrk="0" hangingPunct="1">
+              <a:defRPr sz="1800" kern="1200">
+                <a:solidFill>
+                  <a:schemeClr val="tx1"/>
+                </a:solidFill>
+                <a:latin typeface="+mn-lt"/>
+                <a:ea typeface="+mn-ea"/>
+                <a:cs typeface="+mn-cs"/>
+              </a:defRPr>
+            </a:lvl4pPr>
+            <a:lvl5pPr marL="1828800" algn="l" defTabSz="914400" rtl="0" eaLnBrk="1" latinLnBrk="0" hangingPunct="1">
+              <a:defRPr sz="1800" kern="1200">
+                <a:solidFill>
+                  <a:schemeClr val="tx1"/>
+                </a:solidFill>
+                <a:latin typeface="+mn-lt"/>
+                <a:ea typeface="+mn-ea"/>
+                <a:cs typeface="+mn-cs"/>
+              </a:defRPr>
+            </a:lvl5pPr>
+            <a:lvl6pPr marL="2286000" algn="l" defTabSz="914400" rtl="0" eaLnBrk="1" latinLnBrk="0" hangingPunct="1">
+              <a:defRPr sz="1800" kern="1200">
+                <a:solidFill>
+                  <a:schemeClr val="tx1"/>
+                </a:solidFill>
+                <a:latin typeface="+mn-lt"/>
+                <a:ea typeface="+mn-ea"/>
+                <a:cs typeface="+mn-cs"/>
+              </a:defRPr>
+            </a:lvl6pPr>
+            <a:lvl7pPr marL="2743200" algn="l" defTabSz="914400" rtl="0" eaLnBrk="1" latinLnBrk="0" hangingPunct="1">
+              <a:defRPr sz="1800" kern="1200">
+                <a:solidFill>
+                  <a:schemeClr val="tx1"/>
+                </a:solidFill>
+                <a:latin typeface="+mn-lt"/>
+                <a:ea typeface="+mn-ea"/>
+                <a:cs typeface="+mn-cs"/>
+              </a:defRPr>
+            </a:lvl7pPr>
+            <a:lvl8pPr marL="3200400" algn="l" defTabSz="914400" rtl="0" eaLnBrk="1" latinLnBrk="0" hangingPunct="1">
+              <a:defRPr sz="1800" kern="1200">
+                <a:solidFill>
+                  <a:schemeClr val="tx1"/>
+                </a:solidFill>
+                <a:latin typeface="+mn-lt"/>
+                <a:ea typeface="+mn-ea"/>
+                <a:cs typeface="+mn-cs"/>
+              </a:defRPr>
+            </a:lvl8pPr>
+            <a:lvl9pPr marL="3657600" algn="l" defTabSz="914400" rtl="0" eaLnBrk="1" latinLnBrk="0" hangingPunct="1">
+              <a:defRPr sz="1800" kern="1200">
+                <a:solidFill>
+                  <a:schemeClr val="tx1"/>
+                </a:solidFill>
+                <a:latin typeface="+mn-lt"/>
+                <a:ea typeface="+mn-ea"/>
+                <a:cs typeface="+mn-cs"/>
+              </a:defRPr>
+            </a:lvl9pPr>
+          </a:lstStyle>
+          <a:p>
+            <a:r>
+              <a:rPr lang="en-US" dirty="0">
+                <a:ea typeface="+mn-lt"/>
+                <a:cs typeface="+mn-lt"/>
+              </a:rPr>
+              <a:t>One helpful method of hardware security is the use of encryption. When a user stores sensitive information on a device, encryption will convert it to unreadable code without a cryptographic key to "unscramble" the data. People can use such keys also to verify that their device is an authentic product from a brand. The main challenge with encryption is producing a key that a malicious party cannot predict. With the technology available to criminals in the present day, the task can be tricky.</a:t>
+            </a:r>
+          </a:p>
+        </p:txBody>
+      </p:sp>
     </p:spTree>
     <p:extLst>
       <p:ext uri="{BB962C8B-B14F-4D97-AF65-F5344CB8AC3E}">
@@ -6269,6 +6678,104 @@
           </a:p>
         </p:txBody>
       </p:sp>
+      <p:sp>
+        <p:nvSpPr>
+          <p:cNvPr id="5" name="TextBox 4">
+            <a:extLst>
+              <a:ext uri="{FF2B5EF4-FFF2-40B4-BE49-F238E27FC236}">
+                <a16:creationId xmlns:a16="http://schemas.microsoft.com/office/drawing/2014/main" id="{6DD77E8C-1F49-B3A0-2D13-3A1BB4D3E17C}"/>
+              </a:ext>
+            </a:extLst>
+          </p:cNvPr>
+          <p:cNvSpPr txBox="1"/>
+          <p:nvPr/>
+        </p:nvSpPr>
+        <p:spPr>
+          <a:xfrm>
+            <a:off x="580373" y="1895605"/>
+            <a:ext cx="10989500" cy="1200329"/>
+          </a:xfrm>
+          <a:prstGeom prst="rect">
+            <a:avLst/>
+          </a:prstGeom>
+          <a:noFill/>
+        </p:spPr>
+        <p:txBody>
+          <a:bodyPr rot="0" spcFirstLastPara="0" vertOverflow="overflow" horzOverflow="overflow" vert="horz" wrap="square" lIns="91440" tIns="45720" rIns="91440" bIns="45720" numCol="1" spcCol="0" rtlCol="0" fromWordArt="0" anchor="t" anchorCtr="0" forceAA="0" compatLnSpc="1">
+            <a:prstTxWarp prst="textNoShape">
+              <a:avLst/>
+            </a:prstTxWarp>
+            <a:spAutoFit/>
+          </a:bodyPr>
+          <a:lstStyle/>
+          <a:p>
+            <a:r>
+              <a:rPr lang="en-US" dirty="0">
+                <a:ea typeface="+mn-lt"/>
+                <a:cs typeface="+mn-lt"/>
+              </a:rPr>
+              <a:t>A highly reliable method of producing a cryptographic key is Physically Unclonable Functions (PUFs). PUFs </a:t>
+            </a:r>
+            <a:r>
+              <a:rPr lang="en-US" dirty="0" err="1">
+                <a:ea typeface="+mn-lt"/>
+                <a:cs typeface="+mn-lt"/>
+              </a:rPr>
+              <a:t>utilise</a:t>
+            </a:r>
+            <a:r>
+              <a:rPr lang="en-US" dirty="0">
+                <a:ea typeface="+mn-lt"/>
+                <a:cs typeface="+mn-lt"/>
+              </a:rPr>
+              <a:t> physical imperfections in a device's manufacturing to produce a key unique to that device. For the PUF to produce a key, a user sends an input signal or "challenge"  to the device, and an output signal or "response" is received. Only trusted users would know the response signal, and that signal would be the needed key.</a:t>
+            </a:r>
+            <a:endParaRPr lang="en-US" dirty="0"/>
+          </a:p>
+        </p:txBody>
+      </p:sp>
+      <p:sp>
+        <p:nvSpPr>
+          <p:cNvPr id="7" name="TextBox 6">
+            <a:extLst>
+              <a:ext uri="{FF2B5EF4-FFF2-40B4-BE49-F238E27FC236}">
+                <a16:creationId xmlns:a16="http://schemas.microsoft.com/office/drawing/2014/main" id="{9CCC8984-10DF-6D2A-15E4-0D5886896DBF}"/>
+              </a:ext>
+            </a:extLst>
+          </p:cNvPr>
+          <p:cNvSpPr txBox="1"/>
+          <p:nvPr/>
+        </p:nvSpPr>
+        <p:spPr>
+          <a:xfrm>
+            <a:off x="580373" y="3231714"/>
+            <a:ext cx="10989500" cy="923330"/>
+          </a:xfrm>
+          <a:prstGeom prst="rect">
+            <a:avLst/>
+          </a:prstGeom>
+          <a:noFill/>
+        </p:spPr>
+        <p:txBody>
+          <a:bodyPr rot="0" spcFirstLastPara="0" vertOverflow="overflow" horzOverflow="overflow" vert="horz" wrap="square" lIns="91440" tIns="45720" rIns="91440" bIns="45720" numCol="1" spcCol="0" rtlCol="0" fromWordArt="0" anchor="t" anchorCtr="0" forceAA="0" compatLnSpc="1">
+            <a:prstTxWarp prst="textNoShape">
+              <a:avLst/>
+            </a:prstTxWarp>
+            <a:spAutoFit/>
+          </a:bodyPr>
+          <a:lstStyle/>
+          <a:p>
+            <a:r>
+              <a:rPr lang="en-US" dirty="0">
+                <a:ea typeface="+mn-lt"/>
+                <a:cs typeface="+mn-lt"/>
+              </a:rPr>
+              <a:t>Furthermore, the device must be on for PUFs to produce a signal, and any physically invasive methods of acquiring information from the hardware alter the output response to a given challenge. As a result, PUFs make devices more physically secure.</a:t>
+            </a:r>
+            <a:endParaRPr lang="en-US" dirty="0"/>
+          </a:p>
+        </p:txBody>
+      </p:sp>
     </p:spTree>
     <p:extLst>
       <p:ext uri="{BB962C8B-B14F-4D97-AF65-F5344CB8AC3E}">
@@ -6343,6 +6850,187 @@
           </a:p>
         </p:txBody>
       </p:sp>
+      <p:sp>
+        <p:nvSpPr>
+          <p:cNvPr id="4" name="TextBox 3">
+            <a:extLst>
+              <a:ext uri="{FF2B5EF4-FFF2-40B4-BE49-F238E27FC236}">
+                <a16:creationId xmlns:a16="http://schemas.microsoft.com/office/drawing/2014/main" id="{9851F250-913C-843F-F3BA-4B49409BC237}"/>
+              </a:ext>
+            </a:extLst>
+          </p:cNvPr>
+          <p:cNvSpPr txBox="1"/>
+          <p:nvPr/>
+        </p:nvSpPr>
+        <p:spPr>
+          <a:xfrm>
+            <a:off x="580373" y="1979111"/>
+            <a:ext cx="10989500" cy="923330"/>
+          </a:xfrm>
+          <a:prstGeom prst="rect">
+            <a:avLst/>
+          </a:prstGeom>
+          <a:noFill/>
+        </p:spPr>
+        <p:txBody>
+          <a:bodyPr rot="0" spcFirstLastPara="0" vertOverflow="overflow" horzOverflow="overflow" vert="horz" wrap="square" lIns="91440" tIns="45720" rIns="91440" bIns="45720" numCol="1" spcCol="0" rtlCol="0" fromWordArt="0" anchor="t" anchorCtr="0" forceAA="0" compatLnSpc="1">
+            <a:prstTxWarp prst="textNoShape">
+              <a:avLst/>
+            </a:prstTxWarp>
+            <a:spAutoFit/>
+          </a:bodyPr>
+          <a:lstStyle/>
+          <a:p>
+            <a:r>
+              <a:rPr lang="en-US" dirty="0">
+                <a:ea typeface="+mn-lt"/>
+                <a:cs typeface="+mn-lt"/>
+              </a:rPr>
+              <a:t>In the practical described by this presentation, we tested the SRAM of multiple BBC </a:t>
+            </a:r>
+            <a:r>
+              <a:rPr lang="en-US" dirty="0" err="1">
+                <a:ea typeface="+mn-lt"/>
+                <a:cs typeface="+mn-lt"/>
+              </a:rPr>
+              <a:t>Microbit</a:t>
+            </a:r>
+            <a:r>
+              <a:rPr lang="en-US" dirty="0">
+                <a:ea typeface="+mn-lt"/>
+                <a:cs typeface="+mn-lt"/>
+              </a:rPr>
+              <a:t> V2s for viability as a PUF. If a V2 </a:t>
+            </a:r>
+            <a:r>
+              <a:rPr lang="en-US" dirty="0" err="1">
+                <a:ea typeface="+mn-lt"/>
+                <a:cs typeface="+mn-lt"/>
+              </a:rPr>
+              <a:t>Microbit</a:t>
+            </a:r>
+            <a:r>
+              <a:rPr lang="en-US" dirty="0">
+                <a:ea typeface="+mn-lt"/>
+                <a:cs typeface="+mn-lt"/>
+              </a:rPr>
+              <a:t> is to be considered viable for use as a PUF, it must produce a repeatable response for a given input unique to other </a:t>
+            </a:r>
+            <a:r>
+              <a:rPr lang="en-US" dirty="0" err="1">
+                <a:ea typeface="+mn-lt"/>
+                <a:cs typeface="+mn-lt"/>
+              </a:rPr>
+              <a:t>microbits</a:t>
+            </a:r>
+            <a:r>
+              <a:rPr lang="en-US" dirty="0">
+                <a:ea typeface="+mn-lt"/>
+                <a:cs typeface="+mn-lt"/>
+              </a:rPr>
+              <a:t> of the same specification.</a:t>
+            </a:r>
+          </a:p>
+        </p:txBody>
+      </p:sp>
+      <p:sp>
+        <p:nvSpPr>
+          <p:cNvPr id="5" name="TextBox 4">
+            <a:extLst>
+              <a:ext uri="{FF2B5EF4-FFF2-40B4-BE49-F238E27FC236}">
+                <a16:creationId xmlns:a16="http://schemas.microsoft.com/office/drawing/2014/main" id="{F1B0984B-D109-5D3F-7EE5-869F6E392F7E}"/>
+              </a:ext>
+            </a:extLst>
+          </p:cNvPr>
+          <p:cNvSpPr txBox="1"/>
+          <p:nvPr/>
+        </p:nvSpPr>
+        <p:spPr>
+          <a:xfrm>
+            <a:off x="1572016" y="4202482"/>
+            <a:ext cx="2743199" cy="646331"/>
+          </a:xfrm>
+          <a:prstGeom prst="rect">
+            <a:avLst/>
+          </a:prstGeom>
+          <a:noFill/>
+        </p:spPr>
+        <p:txBody>
+          <a:bodyPr rot="0" spcFirstLastPara="0" vertOverflow="overflow" horzOverflow="overflow" vert="horz" wrap="square" lIns="91440" tIns="45720" rIns="91440" bIns="45720" numCol="1" spcCol="0" rtlCol="0" fromWordArt="0" anchor="t" anchorCtr="0" forceAA="0" compatLnSpc="1">
+            <a:prstTxWarp prst="textNoShape">
+              <a:avLst/>
+            </a:prstTxWarp>
+            <a:spAutoFit/>
+          </a:bodyPr>
+          <a:lstStyle/>
+          <a:p>
+            <a:r>
+              <a:rPr lang="en-US" dirty="0"/>
+              <a:t>Insert </a:t>
+            </a:r>
+            <a:r>
+              <a:rPr lang="en-US" dirty="0" err="1"/>
+              <a:t>microbit</a:t>
+            </a:r>
+            <a:r>
+              <a:rPr lang="en-US" dirty="0"/>
+              <a:t> images</a:t>
+            </a:r>
+          </a:p>
+          <a:p>
+            <a:r>
+              <a:rPr lang="en-US" dirty="0"/>
+              <a:t>here</a:t>
+            </a:r>
+          </a:p>
+        </p:txBody>
+      </p:sp>
+      <p:sp>
+        <p:nvSpPr>
+          <p:cNvPr id="6" name="TextBox 5">
+            <a:extLst>
+              <a:ext uri="{FF2B5EF4-FFF2-40B4-BE49-F238E27FC236}">
+                <a16:creationId xmlns:a16="http://schemas.microsoft.com/office/drawing/2014/main" id="{DE21996B-D16A-9001-81BE-5AEAD4486C67}"/>
+              </a:ext>
+            </a:extLst>
+          </p:cNvPr>
+          <p:cNvSpPr txBox="1"/>
+          <p:nvPr/>
+        </p:nvSpPr>
+        <p:spPr>
+          <a:xfrm>
+            <a:off x="6832948" y="4202481"/>
+            <a:ext cx="2743199" cy="369332"/>
+          </a:xfrm>
+          <a:prstGeom prst="rect">
+            <a:avLst/>
+          </a:prstGeom>
+          <a:noFill/>
+        </p:spPr>
+        <p:txBody>
+          <a:bodyPr rot="0" spcFirstLastPara="0" vertOverflow="overflow" horzOverflow="overflow" vert="horz" wrap="square" lIns="91440" tIns="45720" rIns="91440" bIns="45720" numCol="1" spcCol="0" rtlCol="0" fromWordArt="0" anchor="t" anchorCtr="0" forceAA="0" compatLnSpc="1">
+            <a:prstTxWarp prst="textNoShape">
+              <a:avLst/>
+            </a:prstTxWarp>
+            <a:spAutoFit/>
+          </a:bodyPr>
+          <a:lstStyle/>
+          <a:p>
+            <a:r>
+              <a:rPr lang="en-US" dirty="0"/>
+              <a:t>Insert </a:t>
+            </a:r>
+            <a:r>
+              <a:rPr lang="en-US" dirty="0" err="1"/>
+              <a:t>Microbit</a:t>
+            </a:r>
+            <a:r>
+              <a:rPr lang="en-US" dirty="0"/>
+              <a:t> spec here</a:t>
+            </a:r>
+          </a:p>
+        </p:txBody>
+      </p:sp>
     </p:spTree>
     <p:extLst>
       <p:ext uri="{BB962C8B-B14F-4D97-AF65-F5344CB8AC3E}">
@@ -6398,6 +7086,60 @@
               <a:rPr lang="en-US" dirty="0"/>
               <a:t>The hamming distance method</a:t>
             </a:r>
+          </a:p>
+        </p:txBody>
+      </p:sp>
+      <p:sp>
+        <p:nvSpPr>
+          <p:cNvPr id="4" name="TextBox 3">
+            <a:extLst>
+              <a:ext uri="{FF2B5EF4-FFF2-40B4-BE49-F238E27FC236}">
+                <a16:creationId xmlns:a16="http://schemas.microsoft.com/office/drawing/2014/main" id="{E74374B9-20C6-1858-33B0-58258F6886D5}"/>
+              </a:ext>
+            </a:extLst>
+          </p:cNvPr>
+          <p:cNvSpPr txBox="1"/>
+          <p:nvPr/>
+        </p:nvSpPr>
+        <p:spPr>
+          <a:xfrm>
+            <a:off x="4724400" y="3200400"/>
+            <a:ext cx="2743199" cy="923330"/>
+          </a:xfrm>
+          <a:prstGeom prst="rect">
+            <a:avLst/>
+          </a:prstGeom>
+          <a:noFill/>
+        </p:spPr>
+        <p:txBody>
+          <a:bodyPr rot="0" spcFirstLastPara="0" vertOverflow="overflow" horzOverflow="overflow" vert="horz" wrap="square" lIns="91440" tIns="45720" rIns="91440" bIns="45720" numCol="1" spcCol="0" rtlCol="0" fromWordArt="0" anchor="t" anchorCtr="0" forceAA="0" compatLnSpc="1">
+            <a:prstTxWarp prst="textNoShape">
+              <a:avLst/>
+            </a:prstTxWarp>
+            <a:spAutoFit/>
+          </a:bodyPr>
+          <a:lstStyle/>
+          <a:p>
+            <a:r>
+              <a:rPr lang="en-US" dirty="0"/>
+              <a:t>Note to self (Eef): </a:t>
+            </a:r>
+            <a:r>
+              <a:rPr lang="en-US" dirty="0" err="1"/>
+              <a:t>cont</a:t>
+            </a:r>
+            <a:r>
+              <a:rPr lang="en-US" dirty="0"/>
+              <a:t> </a:t>
+            </a:r>
+            <a:r>
+              <a:rPr lang="en-US"/>
+              <a:t>writing here</a:t>
+            </a:r>
+            <a:endParaRPr lang="en-US" dirty="0"/>
+          </a:p>
+          <a:p>
+            <a:endParaRPr lang="en-US" dirty="0"/>
           </a:p>
         </p:txBody>
       </p:sp>
